--- a/docs/pong_1d/pong_1d.pptx
+++ b/docs/pong_1d/pong_1d.pptx
@@ -5,11 +5,10 @@
     <p:sldMasterId id="2147483648" r:id="rId1"/>
   </p:sldMasterIdLst>
   <p:sldIdLst>
-    <p:sldId id="3125" r:id="rId2"/>
-    <p:sldId id="3126" r:id="rId3"/>
-    <p:sldId id="3123" r:id="rId4"/>
-    <p:sldId id="3124" r:id="rId5"/>
-    <p:sldId id="3127" r:id="rId6"/>
+    <p:sldId id="3126" r:id="rId2"/>
+    <p:sldId id="3123" r:id="rId3"/>
+    <p:sldId id="3124" r:id="rId4"/>
+    <p:sldId id="3127" r:id="rId5"/>
   </p:sldIdLst>
   <p:sldSz cx="12192000" cy="6858000"/>
   <p:notesSz cx="6858000" cy="9144000"/>
@@ -108,6 +107,11 @@
       </a:defRPr>
     </a:lvl9pPr>
   </p:defaultTextStyle>
+  <p:extLst>
+    <p:ext uri="{EFAFB233-063F-42B5-8137-9DF3F51BA10A}">
+      <p15:sldGuideLst xmlns:p15="http://schemas.microsoft.com/office/powerpoint/2012/main"/>
+    </p:ext>
+  </p:extLst>
 </p:presentation>
 </file>
 
@@ -124,10 +128,17 @@
   <pc:docChgLst>
     <pc:chgData name="Thomas O Fredericks" userId="9a40f032a9b16fc7" providerId="LiveId" clId="{138669F2-46BA-490E-A4CD-AA7977D4956D}"/>
     <pc:docChg chg="addSld delSld modSld">
-      <pc:chgData name="Thomas O Fredericks" userId="9a40f032a9b16fc7" providerId="LiveId" clId="{138669F2-46BA-490E-A4CD-AA7977D4956D}" dt="2022-10-17T22:36:34.177" v="1" actId="2696"/>
+      <pc:chgData name="Thomas O Fredericks" userId="9a40f032a9b16fc7" providerId="LiveId" clId="{138669F2-46BA-490E-A4CD-AA7977D4956D}" dt="2022-10-18T20:54:57.315" v="2" actId="2696"/>
       <pc:docMkLst>
         <pc:docMk/>
       </pc:docMkLst>
+      <pc:sldChg chg="del">
+        <pc:chgData name="Thomas O Fredericks" userId="9a40f032a9b16fc7" providerId="LiveId" clId="{138669F2-46BA-490E-A4CD-AA7977D4956D}" dt="2022-10-18T20:54:57.315" v="2" actId="2696"/>
+        <pc:sldMkLst>
+          <pc:docMk/>
+          <pc:sldMk cId="1164786470" sldId="3125"/>
+        </pc:sldMkLst>
+      </pc:sldChg>
       <pc:sldChg chg="add del">
         <pc:chgData name="Thomas O Fredericks" userId="9a40f032a9b16fc7" providerId="LiveId" clId="{138669F2-46BA-490E-A4CD-AA7977D4956D}" dt="2022-10-17T22:36:34.177" v="1" actId="2696"/>
         <pc:sldMkLst>
@@ -289,7 +300,7 @@
           <a:p>
             <a:fld id="{9D43C135-B1EB-40D4-BE42-A2D5824EF90F}" type="datetimeFigureOut">
               <a:rPr lang="fr-CA" smtClean="0"/>
-              <a:t>2022-10-17</a:t>
+              <a:t>2022-10-18</a:t>
             </a:fld>
             <a:endParaRPr lang="fr-CA"/>
           </a:p>
@@ -489,7 +500,7 @@
           <a:p>
             <a:fld id="{9D43C135-B1EB-40D4-BE42-A2D5824EF90F}" type="datetimeFigureOut">
               <a:rPr lang="fr-CA" smtClean="0"/>
-              <a:t>2022-10-17</a:t>
+              <a:t>2022-10-18</a:t>
             </a:fld>
             <a:endParaRPr lang="fr-CA"/>
           </a:p>
@@ -699,7 +710,7 @@
           <a:p>
             <a:fld id="{9D43C135-B1EB-40D4-BE42-A2D5824EF90F}" type="datetimeFigureOut">
               <a:rPr lang="fr-CA" smtClean="0"/>
-              <a:t>2022-10-17</a:t>
+              <a:t>2022-10-18</a:t>
             </a:fld>
             <a:endParaRPr lang="fr-CA"/>
           </a:p>
@@ -899,7 +910,7 @@
           <a:p>
             <a:fld id="{9D43C135-B1EB-40D4-BE42-A2D5824EF90F}" type="datetimeFigureOut">
               <a:rPr lang="fr-CA" smtClean="0"/>
-              <a:t>2022-10-17</a:t>
+              <a:t>2022-10-18</a:t>
             </a:fld>
             <a:endParaRPr lang="fr-CA"/>
           </a:p>
@@ -1175,7 +1186,7 @@
           <a:p>
             <a:fld id="{9D43C135-B1EB-40D4-BE42-A2D5824EF90F}" type="datetimeFigureOut">
               <a:rPr lang="fr-CA" smtClean="0"/>
-              <a:t>2022-10-17</a:t>
+              <a:t>2022-10-18</a:t>
             </a:fld>
             <a:endParaRPr lang="fr-CA"/>
           </a:p>
@@ -1443,7 +1454,7 @@
           <a:p>
             <a:fld id="{9D43C135-B1EB-40D4-BE42-A2D5824EF90F}" type="datetimeFigureOut">
               <a:rPr lang="fr-CA" smtClean="0"/>
-              <a:t>2022-10-17</a:t>
+              <a:t>2022-10-18</a:t>
             </a:fld>
             <a:endParaRPr lang="fr-CA"/>
           </a:p>
@@ -1858,7 +1869,7 @@
           <a:p>
             <a:fld id="{9D43C135-B1EB-40D4-BE42-A2D5824EF90F}" type="datetimeFigureOut">
               <a:rPr lang="fr-CA" smtClean="0"/>
-              <a:t>2022-10-17</a:t>
+              <a:t>2022-10-18</a:t>
             </a:fld>
             <a:endParaRPr lang="fr-CA"/>
           </a:p>
@@ -2000,7 +2011,7 @@
           <a:p>
             <a:fld id="{9D43C135-B1EB-40D4-BE42-A2D5824EF90F}" type="datetimeFigureOut">
               <a:rPr lang="fr-CA" smtClean="0"/>
-              <a:t>2022-10-17</a:t>
+              <a:t>2022-10-18</a:t>
             </a:fld>
             <a:endParaRPr lang="fr-CA"/>
           </a:p>
@@ -2113,7 +2124,7 @@
           <a:p>
             <a:fld id="{9D43C135-B1EB-40D4-BE42-A2D5824EF90F}" type="datetimeFigureOut">
               <a:rPr lang="fr-CA" smtClean="0"/>
-              <a:t>2022-10-17</a:t>
+              <a:t>2022-10-18</a:t>
             </a:fld>
             <a:endParaRPr lang="fr-CA"/>
           </a:p>
@@ -2426,7 +2437,7 @@
           <a:p>
             <a:fld id="{9D43C135-B1EB-40D4-BE42-A2D5824EF90F}" type="datetimeFigureOut">
               <a:rPr lang="fr-CA" smtClean="0"/>
-              <a:t>2022-10-17</a:t>
+              <a:t>2022-10-18</a:t>
             </a:fld>
             <a:endParaRPr lang="fr-CA"/>
           </a:p>
@@ -2715,7 +2726,7 @@
           <a:p>
             <a:fld id="{9D43C135-B1EB-40D4-BE42-A2D5824EF90F}" type="datetimeFigureOut">
               <a:rPr lang="fr-CA" smtClean="0"/>
-              <a:t>2022-10-17</a:t>
+              <a:t>2022-10-18</a:t>
             </a:fld>
             <a:endParaRPr lang="fr-CA"/>
           </a:p>
@@ -2958,7 +2969,7 @@
           <a:p>
             <a:fld id="{9D43C135-B1EB-40D4-BE42-A2D5824EF90F}" type="datetimeFigureOut">
               <a:rPr lang="fr-CA" smtClean="0"/>
-              <a:t>2022-10-17</a:t>
+              <a:t>2022-10-18</a:t>
             </a:fld>
             <a:endParaRPr lang="fr-CA"/>
           </a:p>
@@ -3377,516 +3388,6 @@
       </p:grpSpPr>
       <p:pic>
         <p:nvPicPr>
-          <p:cNvPr id="5" name="Média en ligne 4" title="Data Driven Gamer: Pong (Atari, 1972 arcade, 60fps)">
-            <a:hlinkClick r:id="" action="ppaction://media"/>
-            <a:extLst>
-              <a:ext uri="{FF2B5EF4-FFF2-40B4-BE49-F238E27FC236}">
-                <a16:creationId xmlns:a16="http://schemas.microsoft.com/office/drawing/2014/main" id="{76EB954D-0FAF-4B16-8562-2A20856F70F4}"/>
-              </a:ext>
-            </a:extLst>
-          </p:cNvPr>
-          <p:cNvPicPr>
-            <a:picLocks noRot="1" noChangeAspect="1"/>
-          </p:cNvPicPr>
-          <p:nvPr>
-            <a:videoFile r:link="rId1"/>
-          </p:nvPr>
-        </p:nvPicPr>
-        <p:blipFill>
-          <a:blip r:embed="rId5"/>
-          <a:stretch>
-            <a:fillRect/>
-          </a:stretch>
-        </p:blipFill>
-        <p:spPr>
-          <a:xfrm>
-            <a:off x="838200" y="1363663"/>
-            <a:ext cx="6291263" cy="4700588"/>
-          </a:xfrm>
-          <a:prstGeom prst="rect">
-            <a:avLst/>
-          </a:prstGeom>
-        </p:spPr>
-      </p:pic>
-      <p:pic>
-        <p:nvPicPr>
-          <p:cNvPr id="4" name="Média en ligne 3" title="Atari Pong Table Electromechanical Game Debut @ IAAPA 2017 (Calinfer / UNIS)">
-            <a:hlinkClick r:id="" action="ppaction://media"/>
-            <a:extLst>
-              <a:ext uri="{FF2B5EF4-FFF2-40B4-BE49-F238E27FC236}">
-                <a16:creationId xmlns:a16="http://schemas.microsoft.com/office/drawing/2014/main" id="{DB1F3E14-67A3-447D-9610-C2168EC593E9}"/>
-              </a:ext>
-            </a:extLst>
-          </p:cNvPr>
-          <p:cNvPicPr>
-            <a:picLocks noRot="1" noChangeAspect="1"/>
-          </p:cNvPicPr>
-          <p:nvPr>
-            <a:videoFile r:link="rId2"/>
-          </p:nvPr>
-        </p:nvPicPr>
-        <p:blipFill>
-          <a:blip r:embed="rId6"/>
-          <a:stretch>
-            <a:fillRect/>
-          </a:stretch>
-        </p:blipFill>
-        <p:spPr>
-          <a:xfrm>
-            <a:off x="7200900" y="1363663"/>
-            <a:ext cx="4152900" cy="2314575"/>
-          </a:xfrm>
-          <a:prstGeom prst="rect">
-            <a:avLst/>
-          </a:prstGeom>
-        </p:spPr>
-      </p:pic>
-      <p:pic>
-        <p:nvPicPr>
-          <p:cNvPr id="6" name="Média en ligne 5" title="Let's Play - The PainStation">
-            <a:hlinkClick r:id="" action="ppaction://media"/>
-            <a:extLst>
-              <a:ext uri="{FF2B5EF4-FFF2-40B4-BE49-F238E27FC236}">
-                <a16:creationId xmlns:a16="http://schemas.microsoft.com/office/drawing/2014/main" id="{72E97117-F3B9-49E7-AE4F-7A39DDB4F187}"/>
-              </a:ext>
-            </a:extLst>
-          </p:cNvPr>
-          <p:cNvPicPr>
-            <a:picLocks noRot="1" noChangeAspect="1"/>
-          </p:cNvPicPr>
-          <p:nvPr>
-            <a:videoFile r:link="rId3"/>
-          </p:nvPr>
-        </p:nvPicPr>
-        <p:blipFill>
-          <a:blip r:embed="rId7"/>
-          <a:stretch>
-            <a:fillRect/>
-          </a:stretch>
-        </p:blipFill>
-        <p:spPr>
-          <a:xfrm>
-            <a:off x="7200900" y="3749675"/>
-            <a:ext cx="4152900" cy="2314575"/>
-          </a:xfrm>
-          <a:prstGeom prst="rect">
-            <a:avLst/>
-          </a:prstGeom>
-        </p:spPr>
-      </p:pic>
-      <p:sp>
-        <p:nvSpPr>
-          <p:cNvPr id="2" name="Titre 1">
-            <a:extLst>
-              <a:ext uri="{FF2B5EF4-FFF2-40B4-BE49-F238E27FC236}">
-                <a16:creationId xmlns:a16="http://schemas.microsoft.com/office/drawing/2014/main" id="{34F7EF90-D17E-485F-BD1A-6280906559FB}"/>
-              </a:ext>
-            </a:extLst>
-          </p:cNvPr>
-          <p:cNvSpPr>
-            <a:spLocks noGrp="1"/>
-          </p:cNvSpPr>
-          <p:nvPr>
-            <p:ph type="title"/>
-          </p:nvPr>
-        </p:nvSpPr>
-        <p:spPr>
-          <a:xfrm>
-            <a:off x="838200" y="365125"/>
-            <a:ext cx="10515600" cy="701675"/>
-          </a:xfrm>
-        </p:spPr>
-        <p:txBody>
-          <a:bodyPr anchor="ctr">
-            <a:normAutofit/>
-          </a:bodyPr>
-          <a:lstStyle/>
-          <a:p>
-            <a:r>
-              <a:rPr lang="fr-CA"/>
-              <a:t>LE JEU DE PONG (2D)</a:t>
-            </a:r>
-            <a:endParaRPr lang="fr-CA" dirty="0"/>
-          </a:p>
-        </p:txBody>
-      </p:sp>
-    </p:spTree>
-    <p:extLst>
-      <p:ext uri="{BB962C8B-B14F-4D97-AF65-F5344CB8AC3E}">
-        <p14:creationId xmlns:p14="http://schemas.microsoft.com/office/powerpoint/2010/main" val="1164786470"/>
-      </p:ext>
-    </p:extLst>
-  </p:cSld>
-  <p:clrMapOvr>
-    <a:masterClrMapping/>
-  </p:clrMapOvr>
-  <p:timing>
-    <p:tnLst>
-      <p:par>
-        <p:cTn id="1" dur="indefinite" restart="never" nodeType="tmRoot">
-          <p:childTnLst>
-            <p:seq concurrent="1" nextAc="seek">
-              <p:cTn id="2" dur="indefinite" nodeType="mainSeq">
-                <p:childTnLst>
-                  <p:par>
-                    <p:cTn id="3" fill="hold">
-                      <p:stCondLst>
-                        <p:cond delay="indefinite"/>
-                      </p:stCondLst>
-                      <p:childTnLst>
-                        <p:par>
-                          <p:cTn id="4" fill="hold">
-                            <p:stCondLst>
-                              <p:cond delay="0"/>
-                            </p:stCondLst>
-                            <p:childTnLst>
-                              <p:par>
-                                <p:cTn id="5" presetID="1" presetClass="mediacall" presetSubtype="0" fill="hold" nodeType="clickEffect">
-                                  <p:stCondLst>
-                                    <p:cond delay="0"/>
-                                  </p:stCondLst>
-                                  <p:childTnLst>
-                                    <p:cmd type="call" cmd="playFrom(0.0)">
-                                      <p:cBhvr>
-                                        <p:cTn id="6" dur="1" fill="hold"/>
-                                        <p:tgtEl>
-                                          <p:spTgt spid="4"/>
-                                        </p:tgtEl>
-                                      </p:cBhvr>
-                                    </p:cmd>
-                                  </p:childTnLst>
-                                </p:cTn>
-                              </p:par>
-                            </p:childTnLst>
-                          </p:cTn>
-                        </p:par>
-                      </p:childTnLst>
-                    </p:cTn>
-                  </p:par>
-                  <p:par>
-                    <p:cTn id="7" fill="hold">
-                      <p:stCondLst>
-                        <p:cond delay="indefinite"/>
-                      </p:stCondLst>
-                      <p:childTnLst>
-                        <p:par>
-                          <p:cTn id="8" fill="hold">
-                            <p:stCondLst>
-                              <p:cond delay="0"/>
-                            </p:stCondLst>
-                            <p:childTnLst>
-                              <p:par>
-                                <p:cTn id="9" presetID="1" presetClass="mediacall" presetSubtype="0" fill="hold" nodeType="clickEffect">
-                                  <p:stCondLst>
-                                    <p:cond delay="0"/>
-                                  </p:stCondLst>
-                                  <p:childTnLst>
-                                    <p:cmd type="call" cmd="playFrom(0.0)">
-                                      <p:cBhvr>
-                                        <p:cTn id="10" dur="1" fill="hold"/>
-                                        <p:tgtEl>
-                                          <p:spTgt spid="5"/>
-                                        </p:tgtEl>
-                                      </p:cBhvr>
-                                    </p:cmd>
-                                  </p:childTnLst>
-                                </p:cTn>
-                              </p:par>
-                            </p:childTnLst>
-                          </p:cTn>
-                        </p:par>
-                      </p:childTnLst>
-                    </p:cTn>
-                  </p:par>
-                  <p:par>
-                    <p:cTn id="11" fill="hold">
-                      <p:stCondLst>
-                        <p:cond delay="indefinite"/>
-                      </p:stCondLst>
-                      <p:childTnLst>
-                        <p:par>
-                          <p:cTn id="12" fill="hold">
-                            <p:stCondLst>
-                              <p:cond delay="0"/>
-                            </p:stCondLst>
-                            <p:childTnLst>
-                              <p:par>
-                                <p:cTn id="13" presetID="1" presetClass="mediacall" presetSubtype="0" fill="hold" nodeType="clickEffect">
-                                  <p:stCondLst>
-                                    <p:cond delay="0"/>
-                                  </p:stCondLst>
-                                  <p:childTnLst>
-                                    <p:cmd type="call" cmd="playFrom(0.0)">
-                                      <p:cBhvr>
-                                        <p:cTn id="14" dur="1" fill="hold"/>
-                                        <p:tgtEl>
-                                          <p:spTgt spid="6"/>
-                                        </p:tgtEl>
-                                      </p:cBhvr>
-                                    </p:cmd>
-                                  </p:childTnLst>
-                                </p:cTn>
-                              </p:par>
-                            </p:childTnLst>
-                          </p:cTn>
-                        </p:par>
-                      </p:childTnLst>
-                    </p:cTn>
-                  </p:par>
-                </p:childTnLst>
-              </p:cTn>
-              <p:prevCondLst>
-                <p:cond evt="onPrev" delay="0">
-                  <p:tgtEl>
-                    <p:sldTgt/>
-                  </p:tgtEl>
-                </p:cond>
-              </p:prevCondLst>
-              <p:nextCondLst>
-                <p:cond evt="onNext" delay="0">
-                  <p:tgtEl>
-                    <p:sldTgt/>
-                  </p:tgtEl>
-                </p:cond>
-              </p:nextCondLst>
-            </p:seq>
-            <p:video>
-              <p:cMediaNode vol="80000">
-                <p:cTn id="15" fill="hold" display="0">
-                  <p:stCondLst>
-                    <p:cond delay="indefinite"/>
-                  </p:stCondLst>
-                </p:cTn>
-                <p:tgtEl>
-                  <p:spTgt spid="4"/>
-                </p:tgtEl>
-              </p:cMediaNode>
-            </p:video>
-            <p:seq concurrent="1" nextAc="seek">
-              <p:cTn id="16" restart="whenNotActive" fill="hold" evtFilter="cancelBubble" nodeType="interactiveSeq">
-                <p:stCondLst>
-                  <p:cond evt="onClick" delay="0">
-                    <p:tgtEl>
-                      <p:spTgt spid="4"/>
-                    </p:tgtEl>
-                  </p:cond>
-                </p:stCondLst>
-                <p:endSync evt="end" delay="0">
-                  <p:rtn val="all"/>
-                </p:endSync>
-                <p:childTnLst>
-                  <p:par>
-                    <p:cTn id="17" fill="hold">
-                      <p:stCondLst>
-                        <p:cond delay="0"/>
-                      </p:stCondLst>
-                      <p:childTnLst>
-                        <p:par>
-                          <p:cTn id="18" fill="hold">
-                            <p:stCondLst>
-                              <p:cond delay="0"/>
-                            </p:stCondLst>
-                            <p:childTnLst>
-                              <p:par>
-                                <p:cTn id="19" presetID="2" presetClass="mediacall" presetSubtype="0" fill="hold" nodeType="clickEffect">
-                                  <p:stCondLst>
-                                    <p:cond delay="0"/>
-                                  </p:stCondLst>
-                                  <p:childTnLst>
-                                    <p:cmd type="call" cmd="togglePause">
-                                      <p:cBhvr>
-                                        <p:cTn id="20" dur="1" fill="hold"/>
-                                        <p:tgtEl>
-                                          <p:spTgt spid="4"/>
-                                        </p:tgtEl>
-                                      </p:cBhvr>
-                                    </p:cmd>
-                                  </p:childTnLst>
-                                </p:cTn>
-                              </p:par>
-                            </p:childTnLst>
-                          </p:cTn>
-                        </p:par>
-                      </p:childTnLst>
-                    </p:cTn>
-                  </p:par>
-                </p:childTnLst>
-              </p:cTn>
-              <p:nextCondLst>
-                <p:cond evt="onClick" delay="0">
-                  <p:tgtEl>
-                    <p:spTgt spid="4"/>
-                  </p:tgtEl>
-                </p:cond>
-              </p:nextCondLst>
-            </p:seq>
-            <p:video>
-              <p:cMediaNode vol="80000">
-                <p:cTn id="21" fill="hold" display="0">
-                  <p:stCondLst>
-                    <p:cond delay="indefinite"/>
-                  </p:stCondLst>
-                </p:cTn>
-                <p:tgtEl>
-                  <p:spTgt spid="5"/>
-                </p:tgtEl>
-              </p:cMediaNode>
-            </p:video>
-            <p:seq concurrent="1" nextAc="seek">
-              <p:cTn id="22" restart="whenNotActive" fill="hold" evtFilter="cancelBubble" nodeType="interactiveSeq">
-                <p:stCondLst>
-                  <p:cond evt="onClick" delay="0">
-                    <p:tgtEl>
-                      <p:spTgt spid="5"/>
-                    </p:tgtEl>
-                  </p:cond>
-                </p:stCondLst>
-                <p:endSync evt="end" delay="0">
-                  <p:rtn val="all"/>
-                </p:endSync>
-                <p:childTnLst>
-                  <p:par>
-                    <p:cTn id="23" fill="hold">
-                      <p:stCondLst>
-                        <p:cond delay="0"/>
-                      </p:stCondLst>
-                      <p:childTnLst>
-                        <p:par>
-                          <p:cTn id="24" fill="hold">
-                            <p:stCondLst>
-                              <p:cond delay="0"/>
-                            </p:stCondLst>
-                            <p:childTnLst>
-                              <p:par>
-                                <p:cTn id="25" presetID="2" presetClass="mediacall" presetSubtype="0" fill="hold" nodeType="clickEffect">
-                                  <p:stCondLst>
-                                    <p:cond delay="0"/>
-                                  </p:stCondLst>
-                                  <p:childTnLst>
-                                    <p:cmd type="call" cmd="togglePause">
-                                      <p:cBhvr>
-                                        <p:cTn id="26" dur="1" fill="hold"/>
-                                        <p:tgtEl>
-                                          <p:spTgt spid="5"/>
-                                        </p:tgtEl>
-                                      </p:cBhvr>
-                                    </p:cmd>
-                                  </p:childTnLst>
-                                </p:cTn>
-                              </p:par>
-                            </p:childTnLst>
-                          </p:cTn>
-                        </p:par>
-                      </p:childTnLst>
-                    </p:cTn>
-                  </p:par>
-                </p:childTnLst>
-              </p:cTn>
-              <p:nextCondLst>
-                <p:cond evt="onClick" delay="0">
-                  <p:tgtEl>
-                    <p:spTgt spid="5"/>
-                  </p:tgtEl>
-                </p:cond>
-              </p:nextCondLst>
-            </p:seq>
-            <p:video>
-              <p:cMediaNode vol="80000">
-                <p:cTn id="27" fill="hold" display="0">
-                  <p:stCondLst>
-                    <p:cond delay="indefinite"/>
-                  </p:stCondLst>
-                </p:cTn>
-                <p:tgtEl>
-                  <p:spTgt spid="6"/>
-                </p:tgtEl>
-              </p:cMediaNode>
-            </p:video>
-            <p:seq concurrent="1" nextAc="seek">
-              <p:cTn id="28" restart="whenNotActive" fill="hold" evtFilter="cancelBubble" nodeType="interactiveSeq">
-                <p:stCondLst>
-                  <p:cond evt="onClick" delay="0">
-                    <p:tgtEl>
-                      <p:spTgt spid="6"/>
-                    </p:tgtEl>
-                  </p:cond>
-                </p:stCondLst>
-                <p:endSync evt="end" delay="0">
-                  <p:rtn val="all"/>
-                </p:endSync>
-                <p:childTnLst>
-                  <p:par>
-                    <p:cTn id="29" fill="hold">
-                      <p:stCondLst>
-                        <p:cond delay="0"/>
-                      </p:stCondLst>
-                      <p:childTnLst>
-                        <p:par>
-                          <p:cTn id="30" fill="hold">
-                            <p:stCondLst>
-                              <p:cond delay="0"/>
-                            </p:stCondLst>
-                            <p:childTnLst>
-                              <p:par>
-                                <p:cTn id="31" presetID="2" presetClass="mediacall" presetSubtype="0" fill="hold" nodeType="clickEffect">
-                                  <p:stCondLst>
-                                    <p:cond delay="0"/>
-                                  </p:stCondLst>
-                                  <p:childTnLst>
-                                    <p:cmd type="call" cmd="togglePause">
-                                      <p:cBhvr>
-                                        <p:cTn id="32" dur="1" fill="hold"/>
-                                        <p:tgtEl>
-                                          <p:spTgt spid="6"/>
-                                        </p:tgtEl>
-                                      </p:cBhvr>
-                                    </p:cmd>
-                                  </p:childTnLst>
-                                </p:cTn>
-                              </p:par>
-                            </p:childTnLst>
-                          </p:cTn>
-                        </p:par>
-                      </p:childTnLst>
-                    </p:cTn>
-                  </p:par>
-                </p:childTnLst>
-              </p:cTn>
-              <p:nextCondLst>
-                <p:cond evt="onClick" delay="0">
-                  <p:tgtEl>
-                    <p:spTgt spid="6"/>
-                  </p:tgtEl>
-                </p:cond>
-              </p:nextCondLst>
-            </p:seq>
-          </p:childTnLst>
-        </p:cTn>
-      </p:par>
-    </p:tnLst>
-  </p:timing>
-</p:sld>
-</file>
-
-<file path=ppt/slides/slide2.xml><?xml version="1.0" encoding="utf-8"?>
-<p:sld xmlns:a="http://schemas.openxmlformats.org/drawingml/2006/main" xmlns:r="http://schemas.openxmlformats.org/officeDocument/2006/relationships" xmlns:p="http://schemas.openxmlformats.org/presentationml/2006/main">
-  <p:cSld>
-    <p:spTree>
-      <p:nvGrpSpPr>
-        <p:cNvPr id="1" name=""/>
-        <p:cNvGrpSpPr/>
-        <p:nvPr/>
-      </p:nvGrpSpPr>
-      <p:grpSpPr>
-        <a:xfrm>
-          <a:off x="0" y="0"/>
-          <a:ext cx="0" cy="0"/>
-          <a:chOff x="0" y="0"/>
-          <a:chExt cx="0" cy="0"/>
-        </a:xfrm>
-      </p:grpSpPr>
-      <p:pic>
-        <p:nvPicPr>
           <p:cNvPr id="6" name="Média en ligne 5" title="DIY Arduino 1D Pong game with WS2812 Led strip">
             <a:hlinkClick r:id="" action="ppaction://media"/>
             <a:extLst>
@@ -4193,7 +3694,7 @@
 </p:sld>
 </file>
 
-<file path=ppt/slides/slide3.xml><?xml version="1.0" encoding="utf-8"?>
+<file path=ppt/slides/slide2.xml><?xml version="1.0" encoding="utf-8"?>
 <p:sld xmlns:a="http://schemas.openxmlformats.org/drawingml/2006/main" xmlns:r="http://schemas.openxmlformats.org/officeDocument/2006/relationships" xmlns:p="http://schemas.openxmlformats.org/presentationml/2006/main">
   <p:cSld>
     <p:spTree>
@@ -4736,7 +4237,7 @@
 </p:sld>
 </file>
 
-<file path=ppt/slides/slide4.xml><?xml version="1.0" encoding="utf-8"?>
+<file path=ppt/slides/slide3.xml><?xml version="1.0" encoding="utf-8"?>
 <p:sld xmlns:a="http://schemas.openxmlformats.org/drawingml/2006/main" xmlns:r="http://schemas.openxmlformats.org/officeDocument/2006/relationships" xmlns:p="http://schemas.openxmlformats.org/presentationml/2006/main">
   <p:cSld>
     <p:spTree>
@@ -4945,7 +4446,7 @@
 </p:sld>
 </file>
 
-<file path=ppt/slides/slide5.xml><?xml version="1.0" encoding="utf-8"?>
+<file path=ppt/slides/slide4.xml><?xml version="1.0" encoding="utf-8"?>
 <p:sld xmlns:a="http://schemas.openxmlformats.org/drawingml/2006/main" xmlns:r="http://schemas.openxmlformats.org/officeDocument/2006/relationships" xmlns:p="http://schemas.openxmlformats.org/presentationml/2006/main">
   <p:cSld>
     <p:spTree>
